--- a/企画書_ゲーデザ_オセロ/オセロ.pptx
+++ b/企画書_ゲーデザ_オセロ/オセロ.pptx
@@ -6,6 +6,7 @@
   </p:sldMasterIdLst>
   <p:sldIdLst>
     <p:sldId id="256" r:id="rId2"/>
+    <p:sldId id="257" r:id="rId3"/>
   </p:sldIdLst>
   <p:sldSz cx="12192000" cy="6858000"/>
   <p:notesSz cx="6858000" cy="9144000"/>
@@ -104,6 +105,11 @@
       </a:defRPr>
     </a:lvl9pPr>
   </p:defaultTextStyle>
+  <p:extLst>
+    <p:ext uri="{EFAFB233-063F-42B5-8137-9DF3F51BA10A}">
+      <p15:sldGuideLst xmlns:p15="http://schemas.microsoft.com/office/powerpoint/2012/main"/>
+    </p:ext>
+  </p:extLst>
 </p:presentation>
 </file>
 
@@ -254,7 +260,7 @@
           <a:p>
             <a:fld id="{BFFB1BBE-93C2-42F3-BE5E-4842897C4045}" type="datetimeFigureOut">
               <a:rPr kumimoji="1" lang="ja-JP" altLang="en-US" smtClean="0"/>
-              <a:t>2024/6/6</a:t>
+              <a:t>2024/6/13</a:t>
             </a:fld>
             <a:endParaRPr kumimoji="1" lang="ja-JP" altLang="en-US"/>
           </a:p>
@@ -484,7 +490,7 @@
           <a:p>
             <a:fld id="{BFFB1BBE-93C2-42F3-BE5E-4842897C4045}" type="datetimeFigureOut">
               <a:rPr kumimoji="1" lang="ja-JP" altLang="en-US" smtClean="0"/>
-              <a:t>2024/6/6</a:t>
+              <a:t>2024/6/13</a:t>
             </a:fld>
             <a:endParaRPr kumimoji="1" lang="ja-JP" altLang="en-US"/>
           </a:p>
@@ -724,7 +730,7 @@
           <a:p>
             <a:fld id="{BFFB1BBE-93C2-42F3-BE5E-4842897C4045}" type="datetimeFigureOut">
               <a:rPr kumimoji="1" lang="ja-JP" altLang="en-US" smtClean="0"/>
-              <a:t>2024/6/6</a:t>
+              <a:t>2024/6/13</a:t>
             </a:fld>
             <a:endParaRPr kumimoji="1" lang="ja-JP" altLang="en-US"/>
           </a:p>
@@ -954,7 +960,7 @@
           <a:p>
             <a:fld id="{BFFB1BBE-93C2-42F3-BE5E-4842897C4045}" type="datetimeFigureOut">
               <a:rPr kumimoji="1" lang="ja-JP" altLang="en-US" smtClean="0"/>
-              <a:t>2024/6/6</a:t>
+              <a:t>2024/6/13</a:t>
             </a:fld>
             <a:endParaRPr kumimoji="1" lang="ja-JP" altLang="en-US"/>
           </a:p>
@@ -1229,7 +1235,7 @@
           <a:p>
             <a:fld id="{BFFB1BBE-93C2-42F3-BE5E-4842897C4045}" type="datetimeFigureOut">
               <a:rPr kumimoji="1" lang="ja-JP" altLang="en-US" smtClean="0"/>
-              <a:t>2024/6/6</a:t>
+              <a:t>2024/6/13</a:t>
             </a:fld>
             <a:endParaRPr kumimoji="1" lang="ja-JP" altLang="en-US"/>
           </a:p>
@@ -1558,7 +1564,7 @@
           <a:p>
             <a:fld id="{BFFB1BBE-93C2-42F3-BE5E-4842897C4045}" type="datetimeFigureOut">
               <a:rPr kumimoji="1" lang="ja-JP" altLang="en-US" smtClean="0"/>
-              <a:t>2024/6/6</a:t>
+              <a:t>2024/6/13</a:t>
             </a:fld>
             <a:endParaRPr kumimoji="1" lang="ja-JP" altLang="en-US"/>
           </a:p>
@@ -2034,7 +2040,7 @@
           <a:p>
             <a:fld id="{BFFB1BBE-93C2-42F3-BE5E-4842897C4045}" type="datetimeFigureOut">
               <a:rPr kumimoji="1" lang="ja-JP" altLang="en-US" smtClean="0"/>
-              <a:t>2024/6/6</a:t>
+              <a:t>2024/6/13</a:t>
             </a:fld>
             <a:endParaRPr kumimoji="1" lang="ja-JP" altLang="en-US"/>
           </a:p>
@@ -2175,7 +2181,7 @@
           <a:p>
             <a:fld id="{BFFB1BBE-93C2-42F3-BE5E-4842897C4045}" type="datetimeFigureOut">
               <a:rPr kumimoji="1" lang="ja-JP" altLang="en-US" smtClean="0"/>
-              <a:t>2024/6/6</a:t>
+              <a:t>2024/6/13</a:t>
             </a:fld>
             <a:endParaRPr kumimoji="1" lang="ja-JP" altLang="en-US"/>
           </a:p>
@@ -2288,7 +2294,7 @@
           <a:p>
             <a:fld id="{BFFB1BBE-93C2-42F3-BE5E-4842897C4045}" type="datetimeFigureOut">
               <a:rPr kumimoji="1" lang="ja-JP" altLang="en-US" smtClean="0"/>
-              <a:t>2024/6/6</a:t>
+              <a:t>2024/6/13</a:t>
             </a:fld>
             <a:endParaRPr kumimoji="1" lang="ja-JP" altLang="en-US"/>
           </a:p>
@@ -2631,7 +2637,7 @@
           <a:p>
             <a:fld id="{BFFB1BBE-93C2-42F3-BE5E-4842897C4045}" type="datetimeFigureOut">
               <a:rPr kumimoji="1" lang="ja-JP" altLang="en-US" smtClean="0"/>
-              <a:t>2024/6/6</a:t>
+              <a:t>2024/6/13</a:t>
             </a:fld>
             <a:endParaRPr kumimoji="1" lang="ja-JP" altLang="en-US"/>
           </a:p>
@@ -2919,7 +2925,7 @@
           <a:p>
             <a:fld id="{BFFB1BBE-93C2-42F3-BE5E-4842897C4045}" type="datetimeFigureOut">
               <a:rPr kumimoji="1" lang="ja-JP" altLang="en-US" smtClean="0"/>
-              <a:t>2024/6/6</a:t>
+              <a:t>2024/6/13</a:t>
             </a:fld>
             <a:endParaRPr kumimoji="1" lang="ja-JP" altLang="en-US"/>
           </a:p>
@@ -3192,7 +3198,7 @@
           <a:p>
             <a:fld id="{BFFB1BBE-93C2-42F3-BE5E-4842897C4045}" type="datetimeFigureOut">
               <a:rPr kumimoji="1" lang="ja-JP" altLang="en-US" smtClean="0"/>
-              <a:t>2024/6/6</a:t>
+              <a:t>2024/6/13</a:t>
             </a:fld>
             <a:endParaRPr kumimoji="1" lang="ja-JP" altLang="en-US"/>
           </a:p>
@@ -3623,8 +3629,8 @@
         </p:nvSpPr>
         <p:spPr>
           <a:xfrm>
-            <a:off x="0" y="0"/>
-            <a:ext cx="12192000" cy="2939266"/>
+            <a:off x="-5862" y="1323700"/>
+            <a:ext cx="12192000" cy="1708160"/>
           </a:xfrm>
           <a:prstGeom prst="rect">
             <a:avLst/>
@@ -3636,26 +3642,6 @@
             <a:spAutoFit/>
           </a:bodyPr>
           <a:lstStyle/>
-          <a:p>
-            <a:pPr algn="ctr"/>
-            <a:r>
-              <a:rPr kumimoji="1" lang="ja-JP" altLang="en-US" sz="4400" dirty="0"/>
-              <a:t>詰将棋</a:t>
-            </a:r>
-            <a:r>
-              <a:rPr kumimoji="1" lang="en-US" altLang="ja-JP" sz="4400" dirty="0"/>
-              <a:t>×</a:t>
-            </a:r>
-            <a:r>
-              <a:rPr kumimoji="1" lang="ja-JP" altLang="en-US" sz="4400" dirty="0"/>
-              <a:t>オセロ</a:t>
-            </a:r>
-            <a:endParaRPr kumimoji="1" lang="en-US" altLang="ja-JP" sz="3600" dirty="0"/>
-          </a:p>
-          <a:p>
-            <a:pPr algn="ctr"/>
-            <a:endParaRPr kumimoji="1" lang="en-US" altLang="ja-JP" sz="3600" dirty="0"/>
-          </a:p>
           <a:p>
             <a:r>
               <a:rPr kumimoji="1" lang="ja-JP" altLang="en-US" sz="3500" dirty="0"/>
@@ -3788,10 +3774,341 @@
           </a:p>
         </p:txBody>
       </p:sp>
+      <p:sp>
+        <p:nvSpPr>
+          <p:cNvPr id="5" name="テキスト ボックス 4">
+            <a:extLst>
+              <a:ext uri="{FF2B5EF4-FFF2-40B4-BE49-F238E27FC236}">
+                <a16:creationId xmlns:a16="http://schemas.microsoft.com/office/drawing/2014/main" id="{84575479-3C79-485F-B733-4CF6C368348C}"/>
+              </a:ext>
+            </a:extLst>
+          </p:cNvPr>
+          <p:cNvSpPr txBox="1"/>
+          <p:nvPr/>
+        </p:nvSpPr>
+        <p:spPr>
+          <a:xfrm>
+            <a:off x="890954" y="92854"/>
+            <a:ext cx="10410092" cy="1323439"/>
+          </a:xfrm>
+          <a:prstGeom prst="rect">
+            <a:avLst/>
+          </a:prstGeom>
+          <a:noFill/>
+        </p:spPr>
+        <p:txBody>
+          <a:bodyPr wrap="square" rtlCol="0">
+            <a:spAutoFit/>
+          </a:bodyPr>
+          <a:lstStyle/>
+          <a:p>
+            <a:pPr algn="ctr"/>
+            <a:r>
+              <a:rPr kumimoji="1" lang="ja-JP" altLang="en-US" sz="4000" dirty="0"/>
+              <a:t>逆転しろ！</a:t>
+            </a:r>
+            <a:endParaRPr kumimoji="1" lang="en-US" altLang="ja-JP" sz="4000" dirty="0"/>
+          </a:p>
+          <a:p>
+            <a:pPr algn="ctr"/>
+            <a:r>
+              <a:rPr kumimoji="1" lang="ja-JP" altLang="en-US" sz="4000" dirty="0"/>
+              <a:t>詰オセロ</a:t>
+            </a:r>
+          </a:p>
+        </p:txBody>
+      </p:sp>
+      <p:sp>
+        <p:nvSpPr>
+          <p:cNvPr id="2" name="テキスト ボックス 1">
+            <a:extLst>
+              <a:ext uri="{FF2B5EF4-FFF2-40B4-BE49-F238E27FC236}">
+                <a16:creationId xmlns:a16="http://schemas.microsoft.com/office/drawing/2014/main" id="{8ED7B92F-7B07-4E67-AA4F-B632F3321C2C}"/>
+              </a:ext>
+            </a:extLst>
+          </p:cNvPr>
+          <p:cNvSpPr txBox="1"/>
+          <p:nvPr/>
+        </p:nvSpPr>
+        <p:spPr>
+          <a:xfrm>
+            <a:off x="492368" y="92854"/>
+            <a:ext cx="1647093" cy="923330"/>
+          </a:xfrm>
+          <a:prstGeom prst="rect">
+            <a:avLst/>
+          </a:prstGeom>
+          <a:noFill/>
+        </p:spPr>
+        <p:txBody>
+          <a:bodyPr wrap="square" rtlCol="0">
+            <a:spAutoFit/>
+          </a:bodyPr>
+          <a:lstStyle/>
+          <a:p>
+            <a:r>
+              <a:rPr kumimoji="1" lang="ja-JP" altLang="en-US" sz="5400" dirty="0"/>
+              <a:t>案①</a:t>
+            </a:r>
+          </a:p>
+        </p:txBody>
+      </p:sp>
     </p:spTree>
     <p:extLst>
       <p:ext uri="{BB962C8B-B14F-4D97-AF65-F5344CB8AC3E}">
         <p14:creationId xmlns:p14="http://schemas.microsoft.com/office/powerpoint/2010/main" val="1217579698"/>
+      </p:ext>
+    </p:extLst>
+  </p:cSld>
+  <p:clrMapOvr>
+    <a:masterClrMapping/>
+  </p:clrMapOvr>
+</p:sld>
+</file>
+
+<file path=ppt/slides/slide2.xml><?xml version="1.0" encoding="utf-8"?>
+<p:sld xmlns:a="http://schemas.openxmlformats.org/drawingml/2006/main" xmlns:r="http://schemas.openxmlformats.org/officeDocument/2006/relationships" xmlns:p="http://schemas.openxmlformats.org/presentationml/2006/main">
+  <p:cSld>
+    <p:spTree>
+      <p:nvGrpSpPr>
+        <p:cNvPr id="1" name=""/>
+        <p:cNvGrpSpPr/>
+        <p:nvPr/>
+      </p:nvGrpSpPr>
+      <p:grpSpPr>
+        <a:xfrm>
+          <a:off x="0" y="0"/>
+          <a:ext cx="0" cy="0"/>
+          <a:chOff x="0" y="0"/>
+          <a:chExt cx="0" cy="0"/>
+        </a:xfrm>
+      </p:grpSpPr>
+      <p:sp>
+        <p:nvSpPr>
+          <p:cNvPr id="2" name="テキスト ボックス 1">
+            <a:extLst>
+              <a:ext uri="{FF2B5EF4-FFF2-40B4-BE49-F238E27FC236}">
+                <a16:creationId xmlns:a16="http://schemas.microsoft.com/office/drawing/2014/main" id="{ADC69DBB-86E4-4B7B-8409-DB376EF0828E}"/>
+              </a:ext>
+            </a:extLst>
+          </p:cNvPr>
+          <p:cNvSpPr txBox="1"/>
+          <p:nvPr/>
+        </p:nvSpPr>
+        <p:spPr>
+          <a:xfrm>
+            <a:off x="773723" y="228600"/>
+            <a:ext cx="10374923" cy="707886"/>
+          </a:xfrm>
+          <a:prstGeom prst="rect">
+            <a:avLst/>
+          </a:prstGeom>
+          <a:noFill/>
+        </p:spPr>
+        <p:txBody>
+          <a:bodyPr wrap="square" rtlCol="0">
+            <a:spAutoFit/>
+          </a:bodyPr>
+          <a:lstStyle/>
+          <a:p>
+            <a:pPr algn="ctr"/>
+            <a:r>
+              <a:rPr lang="ja-JP" altLang="en-US" sz="4000" dirty="0"/>
+              <a:t>都道府県</a:t>
+            </a:r>
+            <a:r>
+              <a:rPr lang="en-US" altLang="ja-JP" sz="4000" dirty="0"/>
+              <a:t>×</a:t>
+            </a:r>
+            <a:r>
+              <a:rPr lang="ja-JP" altLang="en-US" sz="4000" dirty="0"/>
+              <a:t>オセロ</a:t>
+            </a:r>
+            <a:endParaRPr kumimoji="1" lang="ja-JP" altLang="en-US" sz="4000" dirty="0"/>
+          </a:p>
+        </p:txBody>
+      </p:sp>
+      <p:sp>
+        <p:nvSpPr>
+          <p:cNvPr id="3" name="テキスト ボックス 2">
+            <a:extLst>
+              <a:ext uri="{FF2B5EF4-FFF2-40B4-BE49-F238E27FC236}">
+                <a16:creationId xmlns:a16="http://schemas.microsoft.com/office/drawing/2014/main" id="{C9EE0950-EE13-4201-B36C-B31576F8C7D3}"/>
+              </a:ext>
+            </a:extLst>
+          </p:cNvPr>
+          <p:cNvSpPr txBox="1"/>
+          <p:nvPr/>
+        </p:nvSpPr>
+        <p:spPr>
+          <a:xfrm>
+            <a:off x="175846" y="1307831"/>
+            <a:ext cx="11412416" cy="5078313"/>
+          </a:xfrm>
+          <a:prstGeom prst="rect">
+            <a:avLst/>
+          </a:prstGeom>
+          <a:noFill/>
+        </p:spPr>
+        <p:txBody>
+          <a:bodyPr wrap="square" rtlCol="0">
+            <a:spAutoFit/>
+          </a:bodyPr>
+          <a:lstStyle/>
+          <a:p>
+            <a:r>
+              <a:rPr lang="ja-JP" altLang="en-US" sz="3600" dirty="0"/>
+              <a:t>・都道府県のシルエットがオセロにある</a:t>
+            </a:r>
+            <a:br>
+              <a:rPr lang="en-US" altLang="ja-JP" sz="3600" dirty="0"/>
+            </a:br>
+            <a:r>
+              <a:rPr lang="ja-JP" altLang="en-US" sz="3600" dirty="0"/>
+              <a:t>・その都道府県の名前を当てれたらゲージが進む</a:t>
+            </a:r>
+            <a:endParaRPr lang="en-US" altLang="ja-JP" sz="3600" dirty="0"/>
+          </a:p>
+          <a:p>
+            <a:r>
+              <a:rPr kumimoji="1" lang="ja-JP" altLang="en-US" sz="3600" dirty="0"/>
+              <a:t>・ゲージがマックスになるとスペシャルな行動が可能</a:t>
+            </a:r>
+            <a:endParaRPr kumimoji="1" lang="en-US" altLang="ja-JP" sz="3600" dirty="0"/>
+          </a:p>
+          <a:p>
+            <a:r>
+              <a:rPr lang="ja-JP" altLang="en-US" sz="3600" dirty="0"/>
+              <a:t>・スペシャルな行動とは</a:t>
+            </a:r>
+            <a:r>
+              <a:rPr lang="en-US" altLang="ja-JP" sz="3600" dirty="0"/>
+              <a:t>…</a:t>
+            </a:r>
+            <a:r>
+              <a:rPr lang="ja-JP" altLang="en-US" sz="3600" dirty="0"/>
+              <a:t>以下のうち</a:t>
+            </a:r>
+            <a:r>
+              <a:rPr lang="en-US" altLang="ja-JP" sz="3600" dirty="0"/>
+              <a:t>1</a:t>
+            </a:r>
+            <a:r>
+              <a:rPr lang="ja-JP" altLang="en-US" sz="3600" dirty="0" err="1"/>
+              <a:t>つを</a:t>
+            </a:r>
+            <a:r>
+              <a:rPr lang="ja-JP" altLang="en-US" sz="3600" dirty="0"/>
+              <a:t>選べる</a:t>
+            </a:r>
+            <a:endParaRPr lang="en-US" altLang="ja-JP" sz="3600" dirty="0"/>
+          </a:p>
+          <a:p>
+            <a:r>
+              <a:rPr kumimoji="1" lang="en-US" altLang="ja-JP" sz="3600" dirty="0"/>
+              <a:t>1</a:t>
+            </a:r>
+            <a:r>
+              <a:rPr kumimoji="1" lang="ja-JP" altLang="en-US" sz="3600" dirty="0" err="1"/>
+              <a:t>．</a:t>
+            </a:r>
+            <a:r>
+              <a:rPr kumimoji="1" lang="en-US" altLang="ja-JP" sz="3600" dirty="0"/>
+              <a:t>1</a:t>
+            </a:r>
+            <a:r>
+              <a:rPr kumimoji="1" lang="ja-JP" altLang="en-US" sz="3600" dirty="0"/>
+              <a:t>回のターンで</a:t>
+            </a:r>
+            <a:r>
+              <a:rPr kumimoji="1" lang="en-US" altLang="ja-JP" sz="3600" dirty="0"/>
+              <a:t>2</a:t>
+            </a:r>
+            <a:r>
+              <a:rPr kumimoji="1" lang="ja-JP" altLang="en-US" sz="3600" dirty="0"/>
+              <a:t>回行動可能</a:t>
+            </a:r>
+            <a:endParaRPr kumimoji="1" lang="en-US" altLang="ja-JP" sz="3600" dirty="0"/>
+          </a:p>
+          <a:p>
+            <a:r>
+              <a:rPr lang="en-US" altLang="ja-JP" sz="3600" dirty="0"/>
+              <a:t>2</a:t>
+            </a:r>
+            <a:r>
+              <a:rPr lang="ja-JP" altLang="en-US" sz="3600" dirty="0" err="1"/>
+              <a:t>．</a:t>
+            </a:r>
+            <a:r>
+              <a:rPr lang="ja-JP" altLang="en-US" sz="3600" dirty="0"/>
+              <a:t>次の相手のターン時に都道府県のシルエットではなく海外の国のシルエットになる</a:t>
+            </a:r>
+            <a:endParaRPr lang="en-US" altLang="ja-JP" sz="3600" dirty="0"/>
+          </a:p>
+          <a:p>
+            <a:r>
+              <a:rPr lang="en-US" altLang="ja-JP" sz="3600" dirty="0"/>
+              <a:t>3</a:t>
+            </a:r>
+            <a:r>
+              <a:rPr lang="ja-JP" altLang="en-US" sz="3600" dirty="0" err="1"/>
+              <a:t>．</a:t>
+            </a:r>
+            <a:r>
+              <a:rPr lang="ja-JP" altLang="en-US" sz="3600" dirty="0"/>
+              <a:t>一定の数のコマにバリアを貼ることが可能（バリアは挟まれても</a:t>
+            </a:r>
+            <a:r>
+              <a:rPr lang="en-US" altLang="ja-JP" sz="3600" dirty="0"/>
+              <a:t>1</a:t>
+            </a:r>
+            <a:r>
+              <a:rPr lang="ja-JP" altLang="en-US" sz="3600"/>
+              <a:t>回だけひっくり返らない）</a:t>
+            </a:r>
+            <a:endParaRPr kumimoji="1" lang="ja-JP" altLang="en-US" sz="3600" dirty="0"/>
+          </a:p>
+        </p:txBody>
+      </p:sp>
+      <p:sp>
+        <p:nvSpPr>
+          <p:cNvPr id="4" name="テキスト ボックス 3">
+            <a:extLst>
+              <a:ext uri="{FF2B5EF4-FFF2-40B4-BE49-F238E27FC236}">
+                <a16:creationId xmlns:a16="http://schemas.microsoft.com/office/drawing/2014/main" id="{6C8B25AD-3A98-4FC9-9B12-BCF4BBE75E9F}"/>
+              </a:ext>
+            </a:extLst>
+          </p:cNvPr>
+          <p:cNvSpPr txBox="1"/>
+          <p:nvPr/>
+        </p:nvSpPr>
+        <p:spPr>
+          <a:xfrm>
+            <a:off x="492368" y="92854"/>
+            <a:ext cx="1647093" cy="923330"/>
+          </a:xfrm>
+          <a:prstGeom prst="rect">
+            <a:avLst/>
+          </a:prstGeom>
+          <a:noFill/>
+        </p:spPr>
+        <p:txBody>
+          <a:bodyPr wrap="square" rtlCol="0">
+            <a:spAutoFit/>
+          </a:bodyPr>
+          <a:lstStyle/>
+          <a:p>
+            <a:r>
+              <a:rPr kumimoji="1" lang="ja-JP" altLang="en-US" sz="5400" dirty="0"/>
+              <a:t>案②</a:t>
+            </a:r>
+          </a:p>
+        </p:txBody>
+      </p:sp>
+    </p:spTree>
+    <p:extLst>
+      <p:ext uri="{BB962C8B-B14F-4D97-AF65-F5344CB8AC3E}">
+        <p14:creationId xmlns:p14="http://schemas.microsoft.com/office/powerpoint/2010/main" val="1007443508"/>
       </p:ext>
     </p:extLst>
   </p:cSld>

--- a/企画書_ゲーデザ_オセロ/オセロ.pptx
+++ b/企画書_ゲーデザ_オセロ/オセロ.pptx
@@ -5,8 +5,8 @@
     <p:sldMasterId id="2147483648" r:id="rId1"/>
   </p:sldMasterIdLst>
   <p:sldIdLst>
-    <p:sldId id="256" r:id="rId2"/>
-    <p:sldId id="257" r:id="rId3"/>
+    <p:sldId id="257" r:id="rId2"/>
+    <p:sldId id="258" r:id="rId3"/>
   </p:sldIdLst>
   <p:sldSz cx="12192000" cy="6858000"/>
   <p:notesSz cx="6858000" cy="9144000"/>
@@ -260,7 +260,7 @@
           <a:p>
             <a:fld id="{BFFB1BBE-93C2-42F3-BE5E-4842897C4045}" type="datetimeFigureOut">
               <a:rPr kumimoji="1" lang="ja-JP" altLang="en-US" smtClean="0"/>
-              <a:t>2024/6/13</a:t>
+              <a:t>2024/6/27</a:t>
             </a:fld>
             <a:endParaRPr kumimoji="1" lang="ja-JP" altLang="en-US"/>
           </a:p>
@@ -490,7 +490,7 @@
           <a:p>
             <a:fld id="{BFFB1BBE-93C2-42F3-BE5E-4842897C4045}" type="datetimeFigureOut">
               <a:rPr kumimoji="1" lang="ja-JP" altLang="en-US" smtClean="0"/>
-              <a:t>2024/6/13</a:t>
+              <a:t>2024/6/27</a:t>
             </a:fld>
             <a:endParaRPr kumimoji="1" lang="ja-JP" altLang="en-US"/>
           </a:p>
@@ -730,7 +730,7 @@
           <a:p>
             <a:fld id="{BFFB1BBE-93C2-42F3-BE5E-4842897C4045}" type="datetimeFigureOut">
               <a:rPr kumimoji="1" lang="ja-JP" altLang="en-US" smtClean="0"/>
-              <a:t>2024/6/13</a:t>
+              <a:t>2024/6/27</a:t>
             </a:fld>
             <a:endParaRPr kumimoji="1" lang="ja-JP" altLang="en-US"/>
           </a:p>
@@ -960,7 +960,7 @@
           <a:p>
             <a:fld id="{BFFB1BBE-93C2-42F3-BE5E-4842897C4045}" type="datetimeFigureOut">
               <a:rPr kumimoji="1" lang="ja-JP" altLang="en-US" smtClean="0"/>
-              <a:t>2024/6/13</a:t>
+              <a:t>2024/6/27</a:t>
             </a:fld>
             <a:endParaRPr kumimoji="1" lang="ja-JP" altLang="en-US"/>
           </a:p>
@@ -1235,7 +1235,7 @@
           <a:p>
             <a:fld id="{BFFB1BBE-93C2-42F3-BE5E-4842897C4045}" type="datetimeFigureOut">
               <a:rPr kumimoji="1" lang="ja-JP" altLang="en-US" smtClean="0"/>
-              <a:t>2024/6/13</a:t>
+              <a:t>2024/6/27</a:t>
             </a:fld>
             <a:endParaRPr kumimoji="1" lang="ja-JP" altLang="en-US"/>
           </a:p>
@@ -1564,7 +1564,7 @@
           <a:p>
             <a:fld id="{BFFB1BBE-93C2-42F3-BE5E-4842897C4045}" type="datetimeFigureOut">
               <a:rPr kumimoji="1" lang="ja-JP" altLang="en-US" smtClean="0"/>
-              <a:t>2024/6/13</a:t>
+              <a:t>2024/6/27</a:t>
             </a:fld>
             <a:endParaRPr kumimoji="1" lang="ja-JP" altLang="en-US"/>
           </a:p>
@@ -2040,7 +2040,7 @@
           <a:p>
             <a:fld id="{BFFB1BBE-93C2-42F3-BE5E-4842897C4045}" type="datetimeFigureOut">
               <a:rPr kumimoji="1" lang="ja-JP" altLang="en-US" smtClean="0"/>
-              <a:t>2024/6/13</a:t>
+              <a:t>2024/6/27</a:t>
             </a:fld>
             <a:endParaRPr kumimoji="1" lang="ja-JP" altLang="en-US"/>
           </a:p>
@@ -2181,7 +2181,7 @@
           <a:p>
             <a:fld id="{BFFB1BBE-93C2-42F3-BE5E-4842897C4045}" type="datetimeFigureOut">
               <a:rPr kumimoji="1" lang="ja-JP" altLang="en-US" smtClean="0"/>
-              <a:t>2024/6/13</a:t>
+              <a:t>2024/6/27</a:t>
             </a:fld>
             <a:endParaRPr kumimoji="1" lang="ja-JP" altLang="en-US"/>
           </a:p>
@@ -2294,7 +2294,7 @@
           <a:p>
             <a:fld id="{BFFB1BBE-93C2-42F3-BE5E-4842897C4045}" type="datetimeFigureOut">
               <a:rPr kumimoji="1" lang="ja-JP" altLang="en-US" smtClean="0"/>
-              <a:t>2024/6/13</a:t>
+              <a:t>2024/6/27</a:t>
             </a:fld>
             <a:endParaRPr kumimoji="1" lang="ja-JP" altLang="en-US"/>
           </a:p>
@@ -2637,7 +2637,7 @@
           <a:p>
             <a:fld id="{BFFB1BBE-93C2-42F3-BE5E-4842897C4045}" type="datetimeFigureOut">
               <a:rPr kumimoji="1" lang="ja-JP" altLang="en-US" smtClean="0"/>
-              <a:t>2024/6/13</a:t>
+              <a:t>2024/6/27</a:t>
             </a:fld>
             <a:endParaRPr kumimoji="1" lang="ja-JP" altLang="en-US"/>
           </a:p>
@@ -2925,7 +2925,7 @@
           <a:p>
             <a:fld id="{BFFB1BBE-93C2-42F3-BE5E-4842897C4045}" type="datetimeFigureOut">
               <a:rPr kumimoji="1" lang="ja-JP" altLang="en-US" smtClean="0"/>
-              <a:t>2024/6/13</a:t>
+              <a:t>2024/6/27</a:t>
             </a:fld>
             <a:endParaRPr kumimoji="1" lang="ja-JP" altLang="en-US"/>
           </a:p>
@@ -3198,7 +3198,7 @@
           <a:p>
             <a:fld id="{BFFB1BBE-93C2-42F3-BE5E-4842897C4045}" type="datetimeFigureOut">
               <a:rPr kumimoji="1" lang="ja-JP" altLang="en-US" smtClean="0"/>
-              <a:t>2024/6/13</a:t>
+              <a:t>2024/6/27</a:t>
             </a:fld>
             <a:endParaRPr kumimoji="1" lang="ja-JP" altLang="en-US"/>
           </a:p>
@@ -3617,10 +3617,10 @@
       </p:grpSpPr>
       <p:sp>
         <p:nvSpPr>
-          <p:cNvPr id="4" name="テキスト ボックス 3">
-            <a:extLst>
-              <a:ext uri="{FF2B5EF4-FFF2-40B4-BE49-F238E27FC236}">
-                <a16:creationId xmlns:a16="http://schemas.microsoft.com/office/drawing/2014/main" id="{F7C2E537-BA10-4D50-8D12-C514A4F16CE9}"/>
+          <p:cNvPr id="2" name="テキスト ボックス 1">
+            <a:extLst>
+              <a:ext uri="{FF2B5EF4-FFF2-40B4-BE49-F238E27FC236}">
+                <a16:creationId xmlns:a16="http://schemas.microsoft.com/office/drawing/2014/main" id="{ADC69DBB-86E4-4B7B-8409-DB376EF0828E}"/>
               </a:ext>
             </a:extLst>
           </p:cNvPr>
@@ -3629,8 +3629,8 @@
         </p:nvSpPr>
         <p:spPr>
           <a:xfrm>
-            <a:off x="-5862" y="1323700"/>
-            <a:ext cx="12192000" cy="1708160"/>
+            <a:off x="694592" y="0"/>
+            <a:ext cx="10374923" cy="1323439"/>
           </a:xfrm>
           <a:prstGeom prst="rect">
             <a:avLst/>
@@ -3643,102 +3643,37 @@
           </a:bodyPr>
           <a:lstStyle/>
           <a:p>
-            <a:r>
-              <a:rPr kumimoji="1" lang="ja-JP" altLang="en-US" sz="3500" dirty="0"/>
-              <a:t>コンセプト：敵の色一色で染められた盤面を</a:t>
-            </a:r>
-            <a:r>
-              <a:rPr kumimoji="1" lang="en-US" altLang="ja-JP" sz="3500" dirty="0"/>
-              <a:t>1</a:t>
-            </a:r>
-            <a:r>
-              <a:rPr kumimoji="1" lang="ja-JP" altLang="en-US" sz="3500" dirty="0"/>
-              <a:t>手で逆転する</a:t>
-            </a:r>
-            <a:endParaRPr kumimoji="1" lang="en-US" altLang="ja-JP" sz="3500" dirty="0"/>
-          </a:p>
-          <a:p>
-            <a:r>
-              <a:rPr lang="ja-JP" altLang="en-US" sz="3500" dirty="0"/>
-              <a:t>・最初からほとんど埋まっており決めれるのは数か所</a:t>
-            </a:r>
-            <a:endParaRPr lang="en-US" altLang="ja-JP" sz="3500" dirty="0"/>
-          </a:p>
-          <a:p>
-            <a:r>
-              <a:rPr kumimoji="1" lang="ja-JP" altLang="en-US" sz="3500" dirty="0"/>
-              <a:t>・その</a:t>
-            </a:r>
-            <a:r>
-              <a:rPr kumimoji="1" lang="en-US" altLang="ja-JP" sz="3500" dirty="0"/>
-              <a:t>1</a:t>
-            </a:r>
-            <a:r>
-              <a:rPr kumimoji="1" lang="ja-JP" altLang="en-US" sz="3500" dirty="0"/>
-              <a:t>手をどう置くか考える</a:t>
-            </a:r>
-            <a:r>
-              <a:rPr lang="ja-JP" altLang="en-US" sz="3500" dirty="0"/>
-              <a:t>パズル</a:t>
-            </a:r>
-            <a:r>
-              <a:rPr kumimoji="1" lang="ja-JP" altLang="en-US" sz="3500" dirty="0"/>
-              <a:t>要素</a:t>
-            </a:r>
-          </a:p>
-        </p:txBody>
-      </p:sp>
-      <p:pic>
-        <p:nvPicPr>
-          <p:cNvPr id="17" name="図 16">
-            <a:extLst>
-              <a:ext uri="{FF2B5EF4-FFF2-40B4-BE49-F238E27FC236}">
-                <a16:creationId xmlns:a16="http://schemas.microsoft.com/office/drawing/2014/main" id="{96B5002C-90CD-4817-A5E4-5A8802BB9AA4}"/>
-              </a:ext>
-            </a:extLst>
-          </p:cNvPr>
-          <p:cNvPicPr>
-            <a:picLocks noChangeAspect="1"/>
-          </p:cNvPicPr>
+            <a:pPr algn="ctr"/>
+            <a:r>
+              <a:rPr kumimoji="1" lang="ja-JP" altLang="en-US" sz="4000" dirty="0"/>
+              <a:t>統一しろ！</a:t>
+            </a:r>
+            <a:br>
+              <a:rPr kumimoji="1" lang="en-US" altLang="ja-JP" sz="4000" dirty="0"/>
+            </a:br>
+            <a:r>
+              <a:rPr kumimoji="1" lang="ja-JP" altLang="en-US" sz="4000" dirty="0"/>
+              <a:t>グンマー帝国</a:t>
+            </a:r>
+          </a:p>
+        </p:txBody>
+      </p:sp>
+      <p:sp>
+        <p:nvSpPr>
+          <p:cNvPr id="3" name="テキスト ボックス 2">
+            <a:extLst>
+              <a:ext uri="{FF2B5EF4-FFF2-40B4-BE49-F238E27FC236}">
+                <a16:creationId xmlns:a16="http://schemas.microsoft.com/office/drawing/2014/main" id="{C9EE0950-EE13-4201-B36C-B31576F8C7D3}"/>
+              </a:ext>
+            </a:extLst>
+          </p:cNvPr>
+          <p:cNvSpPr txBox="1"/>
           <p:nvPr/>
-        </p:nvPicPr>
-        <p:blipFill rotWithShape="1">
-          <a:blip r:embed="rId2">
-            <a:extLst>
-              <a:ext uri="{28A0092B-C50C-407E-A947-70E740481C1C}">
-                <a14:useLocalDpi xmlns:a14="http://schemas.microsoft.com/office/drawing/2010/main" val="0"/>
-              </a:ext>
-            </a:extLst>
-          </a:blip>
-          <a:srcRect l="6856" t="6720" r="2822" b="2151"/>
-          <a:stretch/>
-        </p:blipFill>
+        </p:nvSpPr>
         <p:spPr>
           <a:xfrm>
-            <a:off x="8247183" y="2939266"/>
-            <a:ext cx="3938955" cy="3974124"/>
-          </a:xfrm>
-          <a:prstGeom prst="rect">
-            <a:avLst/>
-          </a:prstGeom>
-        </p:spPr>
-      </p:pic>
-      <p:sp>
-        <p:nvSpPr>
-          <p:cNvPr id="18" name="テキスト ボックス 17">
-            <a:extLst>
-              <a:ext uri="{FF2B5EF4-FFF2-40B4-BE49-F238E27FC236}">
-                <a16:creationId xmlns:a16="http://schemas.microsoft.com/office/drawing/2014/main" id="{2D0C0C2A-FD82-4FEB-820E-265B42FE85E2}"/>
-              </a:ext>
-            </a:extLst>
-          </p:cNvPr>
-          <p:cNvSpPr txBox="1"/>
-          <p:nvPr/>
-        </p:nvSpPr>
-        <p:spPr>
-          <a:xfrm>
-            <a:off x="0" y="3710354"/>
-            <a:ext cx="8241321" cy="1200329"/>
+            <a:off x="175846" y="1307831"/>
+            <a:ext cx="11412416" cy="2862322"/>
           </a:xfrm>
           <a:prstGeom prst="rect">
             <a:avLst/>
@@ -3752,111 +3687,60 @@
           <a:lstStyle/>
           <a:p>
             <a:r>
+              <a:rPr lang="ja-JP" altLang="en-US" sz="3600" dirty="0"/>
+              <a:t>あらすじ：</a:t>
+            </a:r>
+            <a:r>
+              <a:rPr lang="en-US" altLang="ja-JP" sz="3600" dirty="0"/>
+              <a:t>20XX</a:t>
+            </a:r>
+            <a:r>
+              <a:rPr lang="ja-JP" altLang="en-US" sz="3600" dirty="0"/>
+              <a:t>年、増税</a:t>
+            </a:r>
+            <a:r>
+              <a:rPr lang="en-US" altLang="ja-JP" sz="3600" dirty="0"/>
+              <a:t>280</a:t>
+            </a:r>
+            <a:r>
+              <a:rPr lang="ja-JP" altLang="en-US" sz="3600" dirty="0"/>
+              <a:t>％という暴挙に耐え切れず挙兵したグンマー、それを制圧するために</a:t>
+            </a:r>
+            <a:r>
+              <a:rPr lang="en-US" altLang="ja-JP" sz="3600" dirty="0"/>
+              <a:t>N</a:t>
+            </a:r>
+            <a:r>
+              <a:rPr lang="ja-JP" altLang="en-US" sz="3600" dirty="0"/>
+              <a:t>国は各都道府県を差し向ける。</a:t>
+            </a:r>
+            <a:endParaRPr lang="en-US" altLang="ja-JP" sz="3600" dirty="0"/>
+          </a:p>
+          <a:p>
+            <a:r>
               <a:rPr kumimoji="1" lang="ja-JP" altLang="en-US" sz="3600" dirty="0"/>
-              <a:t>例：あなたは黒です。</a:t>
-            </a:r>
-            <a:endParaRPr kumimoji="1" lang="en-US" altLang="ja-JP" sz="3600" dirty="0"/>
-          </a:p>
-          <a:p>
-            <a:r>
-              <a:rPr lang="ja-JP" altLang="en-US" sz="3600" dirty="0"/>
-              <a:t>空いてる</a:t>
-            </a:r>
-            <a:r>
-              <a:rPr lang="en-US" altLang="ja-JP" sz="3600" dirty="0"/>
-              <a:t>2</a:t>
-            </a:r>
-            <a:r>
-              <a:rPr lang="ja-JP" altLang="en-US" sz="3600" dirty="0"/>
-              <a:t>マスのどちらに置きますか？</a:t>
+              <a:t>グンマー帝国は各都道府県を返り討ちにし、</a:t>
+            </a:r>
+            <a:r>
+              <a:rPr kumimoji="1" lang="en-US" altLang="ja-JP" sz="3600" dirty="0"/>
+              <a:t>N</a:t>
+            </a:r>
+            <a:r>
+              <a:rPr kumimoji="1" lang="ja-JP" altLang="en-US" sz="3600" dirty="0"/>
+              <a:t>国の支配から抜け出せるのだろうか</a:t>
+            </a:r>
+            <a:r>
+              <a:rPr kumimoji="1" lang="en-US" altLang="ja-JP" sz="3600" dirty="0"/>
+              <a:t>…</a:t>
             </a:r>
             <a:endParaRPr kumimoji="1" lang="ja-JP" altLang="en-US" sz="3600" dirty="0"/>
-          </a:p>
-        </p:txBody>
-      </p:sp>
-      <p:sp>
-        <p:nvSpPr>
-          <p:cNvPr id="5" name="テキスト ボックス 4">
-            <a:extLst>
-              <a:ext uri="{FF2B5EF4-FFF2-40B4-BE49-F238E27FC236}">
-                <a16:creationId xmlns:a16="http://schemas.microsoft.com/office/drawing/2014/main" id="{84575479-3C79-485F-B733-4CF6C368348C}"/>
-              </a:ext>
-            </a:extLst>
-          </p:cNvPr>
-          <p:cNvSpPr txBox="1"/>
-          <p:nvPr/>
-        </p:nvSpPr>
-        <p:spPr>
-          <a:xfrm>
-            <a:off x="890954" y="92854"/>
-            <a:ext cx="10410092" cy="1323439"/>
-          </a:xfrm>
-          <a:prstGeom prst="rect">
-            <a:avLst/>
-          </a:prstGeom>
-          <a:noFill/>
-        </p:spPr>
-        <p:txBody>
-          <a:bodyPr wrap="square" rtlCol="0">
-            <a:spAutoFit/>
-          </a:bodyPr>
-          <a:lstStyle/>
-          <a:p>
-            <a:pPr algn="ctr"/>
-            <a:r>
-              <a:rPr kumimoji="1" lang="ja-JP" altLang="en-US" sz="4000" dirty="0"/>
-              <a:t>逆転しろ！</a:t>
-            </a:r>
-            <a:endParaRPr kumimoji="1" lang="en-US" altLang="ja-JP" sz="4000" dirty="0"/>
-          </a:p>
-          <a:p>
-            <a:pPr algn="ctr"/>
-            <a:r>
-              <a:rPr kumimoji="1" lang="ja-JP" altLang="en-US" sz="4000" dirty="0"/>
-              <a:t>詰オセロ</a:t>
-            </a:r>
-          </a:p>
-        </p:txBody>
-      </p:sp>
-      <p:sp>
-        <p:nvSpPr>
-          <p:cNvPr id="2" name="テキスト ボックス 1">
-            <a:extLst>
-              <a:ext uri="{FF2B5EF4-FFF2-40B4-BE49-F238E27FC236}">
-                <a16:creationId xmlns:a16="http://schemas.microsoft.com/office/drawing/2014/main" id="{8ED7B92F-7B07-4E67-AA4F-B632F3321C2C}"/>
-              </a:ext>
-            </a:extLst>
-          </p:cNvPr>
-          <p:cNvSpPr txBox="1"/>
-          <p:nvPr/>
-        </p:nvSpPr>
-        <p:spPr>
-          <a:xfrm>
-            <a:off x="492368" y="92854"/>
-            <a:ext cx="1647093" cy="923330"/>
-          </a:xfrm>
-          <a:prstGeom prst="rect">
-            <a:avLst/>
-          </a:prstGeom>
-          <a:noFill/>
-        </p:spPr>
-        <p:txBody>
-          <a:bodyPr wrap="square" rtlCol="0">
-            <a:spAutoFit/>
-          </a:bodyPr>
-          <a:lstStyle/>
-          <a:p>
-            <a:r>
-              <a:rPr kumimoji="1" lang="ja-JP" altLang="en-US" sz="5400" dirty="0"/>
-              <a:t>案①</a:t>
-            </a:r>
           </a:p>
         </p:txBody>
       </p:sp>
     </p:spTree>
     <p:extLst>
       <p:ext uri="{BB962C8B-B14F-4D97-AF65-F5344CB8AC3E}">
-        <p14:creationId xmlns:p14="http://schemas.microsoft.com/office/powerpoint/2010/main" val="1217579698"/>
+        <p14:creationId xmlns:p14="http://schemas.microsoft.com/office/powerpoint/2010/main" val="1007443508"/>
       </p:ext>
     </p:extLst>
   </p:cSld>
@@ -3888,7 +3772,7 @@
           <p:cNvPr id="2" name="テキスト ボックス 1">
             <a:extLst>
               <a:ext uri="{FF2B5EF4-FFF2-40B4-BE49-F238E27FC236}">
-                <a16:creationId xmlns:a16="http://schemas.microsoft.com/office/drawing/2014/main" id="{ADC69DBB-86E4-4B7B-8409-DB376EF0828E}"/>
+                <a16:creationId xmlns:a16="http://schemas.microsoft.com/office/drawing/2014/main" id="{7A3942F5-CE6F-4B70-9FFF-9BEDFFC3E347}"/>
               </a:ext>
             </a:extLst>
           </p:cNvPr>
@@ -3897,8 +3781,8 @@
         </p:nvSpPr>
         <p:spPr>
           <a:xfrm>
-            <a:off x="773723" y="228600"/>
-            <a:ext cx="10374923" cy="707886"/>
+            <a:off x="123092" y="671691"/>
+            <a:ext cx="11412416" cy="5632311"/>
           </a:xfrm>
           <a:prstGeom prst="rect">
             <a:avLst/>
@@ -3911,20 +3795,166 @@
           </a:bodyPr>
           <a:lstStyle/>
           <a:p>
-            <a:pPr algn="ctr"/>
-            <a:r>
-              <a:rPr lang="ja-JP" altLang="en-US" sz="4000" dirty="0"/>
-              <a:t>都道府県</a:t>
-            </a:r>
-            <a:r>
-              <a:rPr lang="en-US" altLang="ja-JP" sz="4000" dirty="0"/>
-              <a:t>×</a:t>
-            </a:r>
-            <a:r>
-              <a:rPr lang="ja-JP" altLang="en-US" sz="4000" dirty="0"/>
-              <a:t>オセロ</a:t>
-            </a:r>
-            <a:endParaRPr kumimoji="1" lang="ja-JP" altLang="en-US" sz="4000" dirty="0"/>
+            <a:r>
+              <a:rPr lang="ja-JP" altLang="en-US" sz="3000" dirty="0"/>
+              <a:t>・都道府県のシルエットがオセロの駒にある</a:t>
+            </a:r>
+            <a:endParaRPr lang="en-US" altLang="ja-JP" sz="3000" dirty="0"/>
+          </a:p>
+          <a:p>
+            <a:r>
+              <a:rPr lang="ja-JP" altLang="en-US" sz="3000" dirty="0"/>
+              <a:t>・通常のオセロと同じく自陣営で挟めば一時的に制圧。</a:t>
+            </a:r>
+            <a:br>
+              <a:rPr lang="en-US" altLang="ja-JP" sz="3000" dirty="0"/>
+            </a:br>
+            <a:r>
+              <a:rPr lang="ja-JP" altLang="en-US" sz="3000" dirty="0"/>
+              <a:t>・その都道府県の名前を当てれたらゲージが進みその都道府県を完全に支配できる。</a:t>
+            </a:r>
+            <a:endParaRPr lang="en-US" altLang="ja-JP" sz="3000" dirty="0"/>
+          </a:p>
+          <a:p>
+            <a:r>
+              <a:rPr lang="ja-JP" altLang="en-US" sz="3000" dirty="0"/>
+              <a:t>・</a:t>
+            </a:r>
+            <a:r>
+              <a:rPr lang="ja-JP" altLang="en-US" sz="2900" dirty="0"/>
+              <a:t>各都道府県には名産品があり一回きりの使い切りアイテムとなる。</a:t>
+            </a:r>
+            <a:endParaRPr lang="en-US" altLang="ja-JP" sz="2900" dirty="0"/>
+          </a:p>
+          <a:p>
+            <a:r>
+              <a:rPr kumimoji="1" lang="ja-JP" altLang="en-US" sz="3000" dirty="0"/>
+              <a:t>・ゲージがマックスになるとスペシャルな行動が可能</a:t>
+            </a:r>
+            <a:endParaRPr kumimoji="1" lang="en-US" altLang="ja-JP" sz="3000" dirty="0"/>
+          </a:p>
+          <a:p>
+            <a:r>
+              <a:rPr lang="ja-JP" altLang="en-US" sz="3000" dirty="0"/>
+              <a:t>・スペシャルな行動とは</a:t>
+            </a:r>
+            <a:r>
+              <a:rPr lang="en-US" altLang="ja-JP" sz="3000" dirty="0"/>
+              <a:t>…</a:t>
+            </a:r>
+            <a:r>
+              <a:rPr lang="ja-JP" altLang="en-US" sz="3000" dirty="0"/>
+              <a:t>以下のうち</a:t>
+            </a:r>
+            <a:r>
+              <a:rPr lang="en-US" altLang="ja-JP" sz="3000" dirty="0"/>
+              <a:t>1</a:t>
+            </a:r>
+            <a:r>
+              <a:rPr lang="ja-JP" altLang="en-US" sz="3000" dirty="0" err="1"/>
+              <a:t>つを</a:t>
+            </a:r>
+            <a:r>
+              <a:rPr lang="ja-JP" altLang="en-US" sz="3000" dirty="0"/>
+              <a:t>選べる</a:t>
+            </a:r>
+            <a:endParaRPr lang="en-US" altLang="ja-JP" sz="3000" dirty="0"/>
+          </a:p>
+          <a:p>
+            <a:r>
+              <a:rPr kumimoji="1" lang="en-US" altLang="ja-JP" sz="3000" dirty="0"/>
+              <a:t>1</a:t>
+            </a:r>
+            <a:r>
+              <a:rPr kumimoji="1" lang="ja-JP" altLang="en-US" sz="3000" dirty="0" err="1"/>
+              <a:t>．</a:t>
+            </a:r>
+            <a:r>
+              <a:rPr kumimoji="1" lang="en-US" altLang="ja-JP" sz="3000" dirty="0"/>
+              <a:t>1</a:t>
+            </a:r>
+            <a:r>
+              <a:rPr kumimoji="1" lang="ja-JP" altLang="en-US" sz="3000" dirty="0"/>
+              <a:t>回のターンで</a:t>
+            </a:r>
+            <a:r>
+              <a:rPr kumimoji="1" lang="en-US" altLang="ja-JP" sz="3000" dirty="0"/>
+              <a:t>2</a:t>
+            </a:r>
+            <a:r>
+              <a:rPr kumimoji="1" lang="ja-JP" altLang="en-US" sz="3000" dirty="0"/>
+              <a:t>回行動可能</a:t>
+            </a:r>
+            <a:endParaRPr kumimoji="1" lang="en-US" altLang="ja-JP" sz="3000" dirty="0"/>
+          </a:p>
+          <a:p>
+            <a:r>
+              <a:rPr lang="en-US" altLang="ja-JP" sz="3000" dirty="0"/>
+              <a:t>2</a:t>
+            </a:r>
+            <a:r>
+              <a:rPr lang="ja-JP" altLang="en-US" sz="3000" dirty="0" err="1"/>
+              <a:t>．</a:t>
+            </a:r>
+            <a:r>
+              <a:rPr lang="ja-JP" altLang="en-US" sz="3000" dirty="0"/>
+              <a:t>次の相手のターン時に都道府県のシルエットではなく海外の国のシルエットになる</a:t>
+            </a:r>
+            <a:r>
+              <a:rPr lang="en-US" altLang="ja-JP" sz="3000" dirty="0"/>
+              <a:t>(</a:t>
+            </a:r>
+            <a:r>
+              <a:rPr lang="ja-JP" altLang="en-US" sz="2800" dirty="0"/>
+              <a:t>名前を当てた場合は相手のゲージを下げる</a:t>
+            </a:r>
+            <a:r>
+              <a:rPr lang="en-US" altLang="ja-JP" sz="3000" dirty="0"/>
+              <a:t>)</a:t>
+            </a:r>
+          </a:p>
+          <a:p>
+            <a:r>
+              <a:rPr lang="en-US" altLang="ja-JP" sz="3000" dirty="0"/>
+              <a:t>3</a:t>
+            </a:r>
+            <a:r>
+              <a:rPr lang="ja-JP" altLang="en-US" sz="3000" dirty="0" err="1"/>
+              <a:t>．</a:t>
+            </a:r>
+            <a:r>
+              <a:rPr lang="ja-JP" altLang="en-US" sz="2800" dirty="0"/>
+              <a:t>一定の数のコマにバリアを貼ることが可能</a:t>
+            </a:r>
+            <a:r>
+              <a:rPr lang="en-US" altLang="ja-JP" sz="2800" dirty="0"/>
+              <a:t>(</a:t>
+            </a:r>
+            <a:r>
+              <a:rPr lang="ja-JP" altLang="en-US" sz="2800" dirty="0"/>
+              <a:t>バリアは挟まれても</a:t>
+            </a:r>
+            <a:r>
+              <a:rPr lang="en-US" altLang="ja-JP" sz="2800" dirty="0"/>
+              <a:t>1</a:t>
+            </a:r>
+            <a:r>
+              <a:rPr lang="ja-JP" altLang="en-US" sz="2800" dirty="0"/>
+              <a:t>回だけひっくり返らない</a:t>
+            </a:r>
+            <a:r>
+              <a:rPr lang="en-US" altLang="ja-JP" sz="2800" dirty="0"/>
+              <a:t>,</a:t>
+            </a:r>
+            <a:r>
+              <a:rPr lang="ja-JP" altLang="en-US" sz="2800" dirty="0"/>
+              <a:t>一定ターン経過でバリアは消える</a:t>
+            </a:r>
+            <a:r>
+              <a:rPr lang="en-US" altLang="ja-JP" sz="3000" dirty="0"/>
+              <a:t>)</a:t>
+            </a:r>
+            <a:endParaRPr kumimoji="1" lang="ja-JP" altLang="en-US" sz="3000" dirty="0"/>
           </a:p>
         </p:txBody>
       </p:sp>
@@ -3933,7 +3963,7 @@
           <p:cNvPr id="3" name="テキスト ボックス 2">
             <a:extLst>
               <a:ext uri="{FF2B5EF4-FFF2-40B4-BE49-F238E27FC236}">
-                <a16:creationId xmlns:a16="http://schemas.microsoft.com/office/drawing/2014/main" id="{C9EE0950-EE13-4201-B36C-B31576F8C7D3}"/>
+                <a16:creationId xmlns:a16="http://schemas.microsoft.com/office/drawing/2014/main" id="{633B2155-07C6-48AC-A12F-99FD5520557D}"/>
               </a:ext>
             </a:extLst>
           </p:cNvPr>
@@ -3942,8 +3972,8 @@
         </p:nvSpPr>
         <p:spPr>
           <a:xfrm>
-            <a:off x="175846" y="1307831"/>
-            <a:ext cx="11412416" cy="5078313"/>
+            <a:off x="1266092" y="0"/>
+            <a:ext cx="8352693" cy="830997"/>
           </a:xfrm>
           <a:prstGeom prst="rect">
             <a:avLst/>
@@ -3956,151 +3986,10 @@
           </a:bodyPr>
           <a:lstStyle/>
           <a:p>
-            <a:r>
-              <a:rPr lang="ja-JP" altLang="en-US" sz="3600" dirty="0"/>
-              <a:t>・都道府県のシルエットがオセロにある</a:t>
-            </a:r>
-            <a:br>
-              <a:rPr lang="en-US" altLang="ja-JP" sz="3600" dirty="0"/>
-            </a:br>
-            <a:r>
-              <a:rPr lang="ja-JP" altLang="en-US" sz="3600" dirty="0"/>
-              <a:t>・その都道府県の名前を当てれたらゲージが進む</a:t>
-            </a:r>
-            <a:endParaRPr lang="en-US" altLang="ja-JP" sz="3600" dirty="0"/>
-          </a:p>
-          <a:p>
-            <a:r>
-              <a:rPr kumimoji="1" lang="ja-JP" altLang="en-US" sz="3600" dirty="0"/>
-              <a:t>・ゲージがマックスになるとスペシャルな行動が可能</a:t>
-            </a:r>
-            <a:endParaRPr kumimoji="1" lang="en-US" altLang="ja-JP" sz="3600" dirty="0"/>
-          </a:p>
-          <a:p>
-            <a:r>
-              <a:rPr lang="ja-JP" altLang="en-US" sz="3600" dirty="0"/>
-              <a:t>・スペシャルな行動とは</a:t>
-            </a:r>
-            <a:r>
-              <a:rPr lang="en-US" altLang="ja-JP" sz="3600" dirty="0"/>
-              <a:t>…</a:t>
-            </a:r>
-            <a:r>
-              <a:rPr lang="ja-JP" altLang="en-US" sz="3600" dirty="0"/>
-              <a:t>以下のうち</a:t>
-            </a:r>
-            <a:r>
-              <a:rPr lang="en-US" altLang="ja-JP" sz="3600" dirty="0"/>
-              <a:t>1</a:t>
-            </a:r>
-            <a:r>
-              <a:rPr lang="ja-JP" altLang="en-US" sz="3600" dirty="0" err="1"/>
-              <a:t>つを</a:t>
-            </a:r>
-            <a:r>
-              <a:rPr lang="ja-JP" altLang="en-US" sz="3600" dirty="0"/>
-              <a:t>選べる</a:t>
-            </a:r>
-            <a:endParaRPr lang="en-US" altLang="ja-JP" sz="3600" dirty="0"/>
-          </a:p>
-          <a:p>
-            <a:r>
-              <a:rPr kumimoji="1" lang="en-US" altLang="ja-JP" sz="3600" dirty="0"/>
-              <a:t>1</a:t>
-            </a:r>
-            <a:r>
-              <a:rPr kumimoji="1" lang="ja-JP" altLang="en-US" sz="3600" dirty="0" err="1"/>
-              <a:t>．</a:t>
-            </a:r>
-            <a:r>
-              <a:rPr kumimoji="1" lang="en-US" altLang="ja-JP" sz="3600" dirty="0"/>
-              <a:t>1</a:t>
-            </a:r>
-            <a:r>
-              <a:rPr kumimoji="1" lang="ja-JP" altLang="en-US" sz="3600" dirty="0"/>
-              <a:t>回のターンで</a:t>
-            </a:r>
-            <a:r>
-              <a:rPr kumimoji="1" lang="en-US" altLang="ja-JP" sz="3600" dirty="0"/>
-              <a:t>2</a:t>
-            </a:r>
-            <a:r>
-              <a:rPr kumimoji="1" lang="ja-JP" altLang="en-US" sz="3600" dirty="0"/>
-              <a:t>回行動可能</a:t>
-            </a:r>
-            <a:endParaRPr kumimoji="1" lang="en-US" altLang="ja-JP" sz="3600" dirty="0"/>
-          </a:p>
-          <a:p>
-            <a:r>
-              <a:rPr lang="en-US" altLang="ja-JP" sz="3600" dirty="0"/>
-              <a:t>2</a:t>
-            </a:r>
-            <a:r>
-              <a:rPr lang="ja-JP" altLang="en-US" sz="3600" dirty="0" err="1"/>
-              <a:t>．</a:t>
-            </a:r>
-            <a:r>
-              <a:rPr lang="ja-JP" altLang="en-US" sz="3600" dirty="0"/>
-              <a:t>次の相手のターン時に都道府県のシルエットではなく海外の国のシルエットになる</a:t>
-            </a:r>
-            <a:endParaRPr lang="en-US" altLang="ja-JP" sz="3600" dirty="0"/>
-          </a:p>
-          <a:p>
-            <a:r>
-              <a:rPr lang="en-US" altLang="ja-JP" sz="3600" dirty="0"/>
-              <a:t>3</a:t>
-            </a:r>
-            <a:r>
-              <a:rPr lang="ja-JP" altLang="en-US" sz="3600" dirty="0" err="1"/>
-              <a:t>．</a:t>
-            </a:r>
-            <a:r>
-              <a:rPr lang="ja-JP" altLang="en-US" sz="3600" dirty="0"/>
-              <a:t>一定の数のコマにバリアを貼ることが可能（バリアは挟まれても</a:t>
-            </a:r>
-            <a:r>
-              <a:rPr lang="en-US" altLang="ja-JP" sz="3600" dirty="0"/>
-              <a:t>1</a:t>
-            </a:r>
-            <a:r>
-              <a:rPr lang="ja-JP" altLang="en-US" sz="3600"/>
-              <a:t>回だけひっくり返らない）</a:t>
-            </a:r>
-            <a:endParaRPr kumimoji="1" lang="ja-JP" altLang="en-US" sz="3600" dirty="0"/>
-          </a:p>
-        </p:txBody>
-      </p:sp>
-      <p:sp>
-        <p:nvSpPr>
-          <p:cNvPr id="4" name="テキスト ボックス 3">
-            <a:extLst>
-              <a:ext uri="{FF2B5EF4-FFF2-40B4-BE49-F238E27FC236}">
-                <a16:creationId xmlns:a16="http://schemas.microsoft.com/office/drawing/2014/main" id="{6C8B25AD-3A98-4FC9-9B12-BCF4BBE75E9F}"/>
-              </a:ext>
-            </a:extLst>
-          </p:cNvPr>
-          <p:cNvSpPr txBox="1"/>
-          <p:nvPr/>
-        </p:nvSpPr>
-        <p:spPr>
-          <a:xfrm>
-            <a:off x="492368" y="92854"/>
-            <a:ext cx="1647093" cy="923330"/>
-          </a:xfrm>
-          <a:prstGeom prst="rect">
-            <a:avLst/>
-          </a:prstGeom>
-          <a:noFill/>
-        </p:spPr>
-        <p:txBody>
-          <a:bodyPr wrap="square" rtlCol="0">
-            <a:spAutoFit/>
-          </a:bodyPr>
-          <a:lstStyle/>
-          <a:p>
-            <a:r>
-              <a:rPr kumimoji="1" lang="ja-JP" altLang="en-US" sz="5400" dirty="0"/>
-              <a:t>案②</a:t>
+            <a:pPr algn="ctr"/>
+            <a:r>
+              <a:rPr kumimoji="1" lang="ja-JP" altLang="en-US" sz="4800" dirty="0"/>
+              <a:t>ルール</a:t>
             </a:r>
           </a:p>
         </p:txBody>
@@ -4108,7 +3997,7 @@
     </p:spTree>
     <p:extLst>
       <p:ext uri="{BB962C8B-B14F-4D97-AF65-F5344CB8AC3E}">
-        <p14:creationId xmlns:p14="http://schemas.microsoft.com/office/powerpoint/2010/main" val="1007443508"/>
+        <p14:creationId xmlns:p14="http://schemas.microsoft.com/office/powerpoint/2010/main" val="1217151193"/>
       </p:ext>
     </p:extLst>
   </p:cSld>
